--- a/第六讲/决赛发布.pptx
+++ b/第六讲/决赛发布.pptx
@@ -215,7 +215,7 @@
           <a:p>
             <a:fld id="{F1AD6FC6-EA67-4F41-A84A-3713D2A38186}" type="datetimeFigureOut">
               <a:rPr lang="zh-CN" altLang="en-US" smtClean="0"/>
-              <a:t>2021/11/17</a:t>
+              <a:t>2021/12/20</a:t>
             </a:fld>
             <a:endParaRPr lang="zh-CN" altLang="en-US"/>
           </a:p>
@@ -380,7 +380,7 @@
           <a:p>
             <a:fld id="{34ABD739-C410-4BBA-B985-F85A0DB96196}" type="datetimeFigureOut">
               <a:rPr lang="zh-CN" altLang="en-US" smtClean="0"/>
-              <a:t>2021/11/17</a:t>
+              <a:t>2021/12/20</a:t>
             </a:fld>
             <a:endParaRPr lang="zh-CN" altLang="en-US"/>
           </a:p>
@@ -1148,7 +1148,7 @@
           <a:p>
             <a:fld id="{DE400F2E-4FD5-4A1E-9CA8-6E07AB261D37}" type="datetimeFigureOut">
               <a:rPr lang="zh-CN" altLang="en-US" smtClean="0"/>
-              <a:t>2021/11/17</a:t>
+              <a:t>2021/12/20</a:t>
             </a:fld>
             <a:endParaRPr lang="zh-CN" altLang="en-US"/>
           </a:p>
@@ -1436,7 +1436,7 @@
           <a:p>
             <a:fld id="{DE400F2E-4FD5-4A1E-9CA8-6E07AB261D37}" type="datetimeFigureOut">
               <a:rPr lang="zh-CN" altLang="en-US" smtClean="0"/>
-              <a:t>2021/11/17</a:t>
+              <a:t>2021/12/20</a:t>
             </a:fld>
             <a:endParaRPr lang="zh-CN" altLang="en-US"/>
           </a:p>
@@ -1634,7 +1634,7 @@
           <a:p>
             <a:fld id="{DE400F2E-4FD5-4A1E-9CA8-6E07AB261D37}" type="datetimeFigureOut">
               <a:rPr lang="zh-CN" altLang="en-US" smtClean="0"/>
-              <a:t>2021/11/17</a:t>
+              <a:t>2021/12/20</a:t>
             </a:fld>
             <a:endParaRPr lang="zh-CN" altLang="en-US"/>
           </a:p>
@@ -1842,7 +1842,7 @@
           <a:p>
             <a:fld id="{DE400F2E-4FD5-4A1E-9CA8-6E07AB261D37}" type="datetimeFigureOut">
               <a:rPr lang="zh-CN" altLang="en-US" smtClean="0"/>
-              <a:t>2021/11/17</a:t>
+              <a:t>2021/12/20</a:t>
             </a:fld>
             <a:endParaRPr lang="zh-CN" altLang="en-US"/>
           </a:p>
@@ -2227,7 +2227,7 @@
           <a:p>
             <a:fld id="{DE400F2E-4FD5-4A1E-9CA8-6E07AB261D37}" type="datetimeFigureOut">
               <a:rPr lang="zh-CN" altLang="en-US" smtClean="0"/>
-              <a:t>2021/11/17</a:t>
+              <a:t>2021/12/20</a:t>
             </a:fld>
             <a:endParaRPr lang="zh-CN" altLang="en-US"/>
           </a:p>
@@ -2425,7 +2425,7 @@
           <a:p>
             <a:fld id="{DE400F2E-4FD5-4A1E-9CA8-6E07AB261D37}" type="datetimeFigureOut">
               <a:rPr lang="zh-CN" altLang="en-US" smtClean="0"/>
-              <a:t>2021/11/17</a:t>
+              <a:t>2021/12/20</a:t>
             </a:fld>
             <a:endParaRPr lang="zh-CN" altLang="en-US"/>
           </a:p>
@@ -2700,7 +2700,7 @@
           <a:p>
             <a:fld id="{DE400F2E-4FD5-4A1E-9CA8-6E07AB261D37}" type="datetimeFigureOut">
               <a:rPr lang="zh-CN" altLang="en-US" smtClean="0"/>
-              <a:t>2021/11/17</a:t>
+              <a:t>2021/12/20</a:t>
             </a:fld>
             <a:endParaRPr lang="zh-CN" altLang="en-US"/>
           </a:p>
@@ -2965,7 +2965,7 @@
           <a:p>
             <a:fld id="{DE400F2E-4FD5-4A1E-9CA8-6E07AB261D37}" type="datetimeFigureOut">
               <a:rPr lang="zh-CN" altLang="en-US" smtClean="0"/>
-              <a:t>2021/11/17</a:t>
+              <a:t>2021/12/20</a:t>
             </a:fld>
             <a:endParaRPr lang="zh-CN" altLang="en-US"/>
           </a:p>
@@ -3377,7 +3377,7 @@
           <a:p>
             <a:fld id="{DE400F2E-4FD5-4A1E-9CA8-6E07AB261D37}" type="datetimeFigureOut">
               <a:rPr lang="zh-CN" altLang="en-US" smtClean="0"/>
-              <a:t>2021/11/17</a:t>
+              <a:t>2021/12/20</a:t>
             </a:fld>
             <a:endParaRPr lang="zh-CN" altLang="en-US"/>
           </a:p>
@@ -3518,7 +3518,7 @@
           <a:p>
             <a:fld id="{DE400F2E-4FD5-4A1E-9CA8-6E07AB261D37}" type="datetimeFigureOut">
               <a:rPr lang="zh-CN" altLang="en-US" smtClean="0"/>
-              <a:t>2021/11/17</a:t>
+              <a:t>2021/12/20</a:t>
             </a:fld>
             <a:endParaRPr lang="zh-CN" altLang="en-US"/>
           </a:p>
@@ -3631,7 +3631,7 @@
           <a:p>
             <a:fld id="{DE400F2E-4FD5-4A1E-9CA8-6E07AB261D37}" type="datetimeFigureOut">
               <a:rPr lang="zh-CN" altLang="en-US" smtClean="0"/>
-              <a:t>2021/11/17</a:t>
+              <a:t>2021/12/20</a:t>
             </a:fld>
             <a:endParaRPr lang="zh-CN" altLang="en-US"/>
           </a:p>
@@ -4951,7 +4951,7 @@
           <a:p>
             <a:fld id="{DE400F2E-4FD5-4A1E-9CA8-6E07AB261D37}" type="datetimeFigureOut">
               <a:rPr lang="zh-CN" altLang="en-US" smtClean="0"/>
-              <a:t>2021/11/17</a:t>
+              <a:t>2021/12/20</a:t>
             </a:fld>
             <a:endParaRPr lang="zh-CN" altLang="en-US"/>
           </a:p>
@@ -5532,14 +5532,6 @@
           <a:bodyPr/>
           <a:lstStyle/>
           <a:p>
-            <a:r>
-              <a:rPr lang="zh-CN" altLang="en-US" dirty="0">
-                <a:latin typeface="Times New Roman" panose="02020603050405020304" pitchFamily="18" charset="0"/>
-                <a:ea typeface="楷体" panose="02010609060101010101" pitchFamily="49" charset="-122"/>
-                <a:cs typeface="Times New Roman" panose="02020603050405020304" pitchFamily="18" charset="0"/>
-              </a:rPr>
-              <a:t>余金城</a:t>
-            </a:r>
             <a:endParaRPr lang="en-US" altLang="zh-CN" dirty="0">
               <a:latin typeface="Times New Roman" panose="02020603050405020304" pitchFamily="18" charset="0"/>
               <a:ea typeface="楷体" panose="02010609060101010101" pitchFamily="49" charset="-122"/>
@@ -5547,31 +5539,6 @@
             </a:endParaRPr>
           </a:p>
           <a:p>
-            <a:r>
-              <a:rPr lang="zh-CN" altLang="en-US" dirty="0">
-                <a:latin typeface="Times New Roman" panose="02020603050405020304" pitchFamily="18" charset="0"/>
-                <a:ea typeface="楷体" panose="02010609060101010101" pitchFamily="49" charset="-122"/>
-                <a:cs typeface="Times New Roman" panose="02020603050405020304" pitchFamily="18" charset="0"/>
-              </a:rPr>
-              <a:t>联系方式</a:t>
-            </a:r>
-            <a:r>
-              <a:rPr lang="en-US" altLang="zh-CN" dirty="0">
-                <a:latin typeface="Times New Roman" panose="02020603050405020304" pitchFamily="18" charset="0"/>
-                <a:ea typeface="楷体" panose="02010609060101010101" pitchFamily="49" charset="-122"/>
-                <a:cs typeface="Times New Roman" panose="02020603050405020304" pitchFamily="18" charset="0"/>
-              </a:rPr>
-              <a:t>: </a:t>
-            </a:r>
-            <a:r>
-              <a:rPr lang="en-US" altLang="zh-CN" dirty="0">
-                <a:latin typeface="Times New Roman" panose="02020603050405020304" pitchFamily="18" charset="0"/>
-                <a:ea typeface="楷体" panose="02010609060101010101" pitchFamily="49" charset="-122"/>
-                <a:cs typeface="Times New Roman" panose="02020603050405020304" pitchFamily="18" charset="0"/>
-                <a:hlinkClick r:id="rId2"/>
-              </a:rPr>
-              <a:t>yujincheng@yujincheng.net</a:t>
-            </a:r>
             <a:endParaRPr lang="en-US" altLang="zh-CN" dirty="0">
               <a:latin typeface="Times New Roman" panose="02020603050405020304" pitchFamily="18" charset="0"/>
               <a:ea typeface="楷体" panose="02010609060101010101" pitchFamily="49" charset="-122"/>
